--- a/attoparsec.pptx
+++ b/attoparsec.pptx
@@ -5,21 +5,24 @@
     <p:sldMasterId id="2147483660" r:id="rId1"/>
   </p:sldMasterIdLst>
   <p:notesMasterIdLst>
-    <p:notesMasterId r:id="rId11"/>
+    <p:notesMasterId r:id="rId14"/>
   </p:notesMasterIdLst>
   <p:handoutMasterIdLst>
-    <p:handoutMasterId r:id="rId12"/>
+    <p:handoutMasterId r:id="rId15"/>
   </p:handoutMasterIdLst>
   <p:sldIdLst>
     <p:sldId id="263" r:id="rId2"/>
     <p:sldId id="265" r:id="rId3"/>
     <p:sldId id="267" r:id="rId4"/>
     <p:sldId id="266" r:id="rId5"/>
-    <p:sldId id="272" r:id="rId6"/>
-    <p:sldId id="270" r:id="rId7"/>
-    <p:sldId id="268" r:id="rId8"/>
-    <p:sldId id="269" r:id="rId9"/>
-    <p:sldId id="271" r:id="rId10"/>
+    <p:sldId id="275" r:id="rId6"/>
+    <p:sldId id="272" r:id="rId7"/>
+    <p:sldId id="270" r:id="rId8"/>
+    <p:sldId id="268" r:id="rId9"/>
+    <p:sldId id="269" r:id="rId10"/>
+    <p:sldId id="271" r:id="rId11"/>
+    <p:sldId id="273" r:id="rId12"/>
+    <p:sldId id="274" r:id="rId13"/>
   </p:sldIdLst>
   <p:sldSz cx="12192000" cy="6858000"/>
   <p:notesSz cx="6858000" cy="9144000"/>
@@ -922,7 +925,7 @@
             <a:pPr rtl="0"/>
             <a:fld id="{D493D137-601A-41EE-A0B3-B28C0B47D826}" type="datetime1">
               <a:rPr lang="pl-PL" smtClean="0"/>
-              <a:t>23.05.2022</a:t>
+              <a:t>25.05.2022</a:t>
             </a:fld>
             <a:endParaRPr lang="pl-PL"/>
           </a:p>
@@ -1092,7 +1095,7 @@
             <a:pPr rtl="0"/>
             <a:fld id="{D57D97C8-3374-439D-96FE-B9CC11F4DF14}" type="datetime1">
               <a:rPr lang="pl-PL" noProof="0" smtClean="0"/>
-              <a:t>23.05.2022</a:t>
+              <a:t>25.05.2022</a:t>
             </a:fld>
             <a:endParaRPr lang="pl-PL" noProof="0"/>
           </a:p>
@@ -1921,7 +1924,7 @@
             <a:pPr rtl="0"/>
             <a:fld id="{94309497-F060-4B42-9FFF-A50912A8EF85}" type="datetime1">
               <a:rPr lang="pl-PL" noProof="0" smtClean="0"/>
-              <a:t>23.05.2022</a:t>
+              <a:t>25.05.2022</a:t>
             </a:fld>
             <a:endParaRPr lang="pl-PL" noProof="0" dirty="0"/>
           </a:p>
@@ -2110,7 +2113,7 @@
             <a:pPr rtl="0"/>
             <a:fld id="{FA7884D7-CA5D-4190-A14F-D58C0432ECD6}" type="datetime1">
               <a:rPr lang="pl-PL" noProof="0" smtClean="0"/>
-              <a:t>23.05.2022</a:t>
+              <a:t>25.05.2022</a:t>
             </a:fld>
             <a:endParaRPr lang="pl-PL" noProof="0"/>
           </a:p>
@@ -2309,7 +2312,7 @@
             <a:pPr rtl="0"/>
             <a:fld id="{C62E05A2-AEAD-4D0B-9EEA-9D299D980AF4}" type="datetime1">
               <a:rPr lang="pl-PL" noProof="0" smtClean="0"/>
-              <a:t>23.05.2022</a:t>
+              <a:t>25.05.2022</a:t>
             </a:fld>
             <a:endParaRPr lang="pl-PL" noProof="0"/>
           </a:p>
@@ -2514,7 +2517,7 @@
             <a:pPr rtl="0"/>
             <a:fld id="{82802C67-B6FD-4A7E-A62D-08E512D00596}" type="datetime1">
               <a:rPr lang="pl-PL" noProof="0" smtClean="0"/>
-              <a:t>23.05.2022</a:t>
+              <a:t>25.05.2022</a:t>
             </a:fld>
             <a:endParaRPr lang="pl-PL" noProof="0"/>
           </a:p>
@@ -2757,7 +2760,7 @@
             <a:pPr rtl="0"/>
             <a:fld id="{7FE412D0-A82E-4166-AB70-A73BA0041902}" type="datetime1">
               <a:rPr lang="pl-PL" noProof="0" smtClean="0"/>
-              <a:t>23.05.2022</a:t>
+              <a:t>25.05.2022</a:t>
             </a:fld>
             <a:endParaRPr lang="pl-PL" noProof="0"/>
           </a:p>
@@ -3064,7 +3067,7 @@
             <a:pPr rtl="0"/>
             <a:fld id="{CB0E9C2F-A51D-4835-A13C-20E793A3F962}" type="datetime1">
               <a:rPr lang="pl-PL" noProof="0" smtClean="0"/>
-              <a:t>23.05.2022</a:t>
+              <a:t>25.05.2022</a:t>
             </a:fld>
             <a:endParaRPr lang="pl-PL" noProof="0"/>
           </a:p>
@@ -3506,7 +3509,7 @@
             <a:pPr rtl="0"/>
             <a:fld id="{3EFFBAAF-C3AB-4FD2-BE74-54BEA8211CFE}" type="datetime1">
               <a:rPr lang="pl-PL" noProof="0" smtClean="0"/>
-              <a:t>23.05.2022</a:t>
+              <a:t>25.05.2022</a:t>
             </a:fld>
             <a:endParaRPr lang="pl-PL" noProof="0"/>
           </a:p>
@@ -3643,7 +3646,7 @@
             <a:pPr rtl="0"/>
             <a:fld id="{1083592B-36DF-429D-88B8-8DB159897E61}" type="datetime1">
               <a:rPr lang="pl-PL" noProof="0" smtClean="0"/>
-              <a:t>23.05.2022</a:t>
+              <a:t>25.05.2022</a:t>
             </a:fld>
             <a:endParaRPr lang="pl-PL" noProof="0"/>
           </a:p>
@@ -3757,7 +3760,7 @@
             <a:pPr rtl="0"/>
             <a:fld id="{EB23769D-EA6A-47CE-A592-84D66F75D787}" type="datetime1">
               <a:rPr lang="pl-PL" noProof="0" smtClean="0"/>
-              <a:t>23.05.2022</a:t>
+              <a:t>25.05.2022</a:t>
             </a:fld>
             <a:endParaRPr lang="pl-PL" noProof="0"/>
           </a:p>
@@ -4053,7 +4056,7 @@
             <a:pPr rtl="0"/>
             <a:fld id="{6EBD342B-87C5-4BEA-893C-72346732DF30}" type="datetime1">
               <a:rPr lang="pl-PL" noProof="0" smtClean="0"/>
-              <a:t>23.05.2022</a:t>
+              <a:t>25.05.2022</a:t>
             </a:fld>
             <a:endParaRPr lang="pl-PL" noProof="0"/>
           </a:p>
@@ -4330,7 +4333,7 @@
             <a:pPr rtl="0"/>
             <a:fld id="{D0E800E5-9990-4102-AEA3-2AC7A0A92C71}" type="datetime1">
               <a:rPr lang="pl-PL" noProof="0" smtClean="0"/>
-              <a:t>23.05.2022</a:t>
+              <a:t>25.05.2022</a:t>
             </a:fld>
             <a:endParaRPr lang="pl-PL" noProof="0"/>
           </a:p>
@@ -4858,7 +4861,7 @@
             <a:pPr rtl="0"/>
             <a:fld id="{6EDD33BD-8796-4202-A346-DF8659F36A3D}" type="datetime1">
               <a:rPr lang="pl-PL" noProof="0" smtClean="0"/>
-              <a:t>23.05.2022</a:t>
+              <a:t>25.05.2022</a:t>
             </a:fld>
             <a:endParaRPr lang="pl-PL" noProof="0" dirty="0"/>
           </a:p>
@@ -5538,6 +5541,578 @@
 </p:sld>
 </file>
 
+<file path=ppt/slides/slide10.xml><?xml version="1.0" encoding="utf-8"?>
+<p:sld xmlns:a="http://schemas.openxmlformats.org/drawingml/2006/main" xmlns:r="http://schemas.openxmlformats.org/officeDocument/2006/relationships" xmlns:p="http://schemas.openxmlformats.org/presentationml/2006/main">
+  <p:cSld>
+    <p:spTree>
+      <p:nvGrpSpPr>
+        <p:cNvPr id="1" name=""/>
+        <p:cNvGrpSpPr/>
+        <p:nvPr/>
+      </p:nvGrpSpPr>
+      <p:grpSpPr>
+        <a:xfrm>
+          <a:off x="0" y="0"/>
+          <a:ext cx="0" cy="0"/>
+          <a:chOff x="0" y="0"/>
+          <a:chExt cx="0" cy="0"/>
+        </a:xfrm>
+      </p:grpSpPr>
+      <p:sp>
+        <p:nvSpPr>
+          <p:cNvPr id="2" name="Tytuł 1"/>
+          <p:cNvSpPr>
+            <a:spLocks noGrp="1"/>
+          </p:cNvSpPr>
+          <p:nvPr>
+            <p:ph type="title"/>
+          </p:nvPr>
+        </p:nvSpPr>
+        <p:spPr/>
+        <p:txBody>
+          <a:bodyPr/>
+          <a:lstStyle/>
+          <a:p>
+            <a:r>
+              <a:rPr lang="pl-PL" dirty="0" smtClean="0"/>
+              <a:t>wady</a:t>
+            </a:r>
+            <a:endParaRPr lang="pl-PL" dirty="0"/>
+          </a:p>
+        </p:txBody>
+      </p:sp>
+      <p:sp>
+        <p:nvSpPr>
+          <p:cNvPr id="3" name="Symbol zastępczy zawartości 2"/>
+          <p:cNvSpPr>
+            <a:spLocks noGrp="1"/>
+          </p:cNvSpPr>
+          <p:nvPr>
+            <p:ph idx="1"/>
+          </p:nvPr>
+        </p:nvSpPr>
+        <p:spPr/>
+        <p:txBody>
+          <a:bodyPr/>
+          <a:lstStyle/>
+          <a:p>
+            <a:r>
+              <a:rPr lang="pl-PL" dirty="0" err="1" smtClean="0"/>
+              <a:t>Backtracking</a:t>
+            </a:r>
+            <a:r>
+              <a:rPr lang="pl-PL" dirty="0" smtClean="0"/>
+              <a:t> (</a:t>
+            </a:r>
+            <a:r>
+              <a:rPr lang="pl-PL" dirty="0" smtClean="0">
+                <a:sym typeface="Wingdings" panose="05000000000000000000" pitchFamily="2" charset="2"/>
+              </a:rPr>
+              <a:t>)</a:t>
+            </a:r>
+            <a:endParaRPr lang="pl-PL" dirty="0" smtClean="0"/>
+          </a:p>
+          <a:p>
+            <a:pPr lvl="1"/>
+            <a:r>
+              <a:rPr lang="pl-PL" dirty="0" smtClean="0"/>
+              <a:t>konkretniej: brak możliwości kontroli</a:t>
+            </a:r>
+          </a:p>
+          <a:p>
+            <a:pPr lvl="1"/>
+            <a:r>
+              <a:rPr lang="pl-PL" dirty="0" smtClean="0"/>
+              <a:t>niejasne komunikaty o błędach</a:t>
+            </a:r>
+          </a:p>
+          <a:p>
+            <a:pPr lvl="1"/>
+            <a:r>
+              <a:rPr lang="pl-PL" dirty="0" smtClean="0"/>
+              <a:t>można ominąć, tracąc modularność (brzydki kod)</a:t>
+            </a:r>
+            <a:endParaRPr lang="pl-PL" dirty="0"/>
+          </a:p>
+        </p:txBody>
+      </p:sp>
+    </p:spTree>
+    <p:extLst>
+      <p:ext uri="{BB962C8B-B14F-4D97-AF65-F5344CB8AC3E}">
+        <p14:creationId xmlns:p14="http://schemas.microsoft.com/office/powerpoint/2010/main" val="1592769020"/>
+      </p:ext>
+    </p:extLst>
+  </p:cSld>
+  <p:clrMapOvr>
+    <a:masterClrMapping/>
+  </p:clrMapOvr>
+  <mc:AlternateContent xmlns:mc="http://schemas.openxmlformats.org/markup-compatibility/2006" xmlns:p14="http://schemas.microsoft.com/office/powerpoint/2010/main">
+    <mc:Choice Requires="p14">
+      <p:transition spd="med" p14:dur="700">
+        <p:fade/>
+      </p:transition>
+    </mc:Choice>
+    <mc:Fallback xmlns="">
+      <p:transition spd="med">
+        <p:fade/>
+      </p:transition>
+    </mc:Fallback>
+  </mc:AlternateContent>
+  <p:timing>
+    <p:tnLst>
+      <p:par>
+        <p:cTn id="1" dur="indefinite" restart="never" nodeType="tmRoot"/>
+      </p:par>
+    </p:tnLst>
+  </p:timing>
+</p:sld>
+</file>
+
+<file path=ppt/slides/slide11.xml><?xml version="1.0" encoding="utf-8"?>
+<p:sld xmlns:a="http://schemas.openxmlformats.org/drawingml/2006/main" xmlns:r="http://schemas.openxmlformats.org/officeDocument/2006/relationships" xmlns:p="http://schemas.openxmlformats.org/presentationml/2006/main">
+  <p:cSld>
+    <p:spTree>
+      <p:nvGrpSpPr>
+        <p:cNvPr id="1" name=""/>
+        <p:cNvGrpSpPr/>
+        <p:nvPr/>
+      </p:nvGrpSpPr>
+      <p:grpSpPr>
+        <a:xfrm>
+          <a:off x="0" y="0"/>
+          <a:ext cx="0" cy="0"/>
+          <a:chOff x="0" y="0"/>
+          <a:chExt cx="0" cy="0"/>
+        </a:xfrm>
+      </p:grpSpPr>
+      <p:sp>
+        <p:nvSpPr>
+          <p:cNvPr id="2" name="Tytuł 1"/>
+          <p:cNvSpPr>
+            <a:spLocks noGrp="1"/>
+          </p:cNvSpPr>
+          <p:nvPr>
+            <p:ph type="title"/>
+          </p:nvPr>
+        </p:nvSpPr>
+        <p:spPr/>
+        <p:txBody>
+          <a:bodyPr/>
+          <a:lstStyle/>
+          <a:p>
+            <a:r>
+              <a:rPr lang="pl-PL" dirty="0" smtClean="0"/>
+              <a:t>podsumowanie</a:t>
+            </a:r>
+            <a:endParaRPr lang="pl-PL" dirty="0"/>
+          </a:p>
+        </p:txBody>
+      </p:sp>
+      <p:sp>
+        <p:nvSpPr>
+          <p:cNvPr id="3" name="Symbol zastępczy zawartości 2"/>
+          <p:cNvSpPr>
+            <a:spLocks noGrp="1"/>
+          </p:cNvSpPr>
+          <p:nvPr>
+            <p:ph idx="1"/>
+          </p:nvPr>
+        </p:nvSpPr>
+        <p:spPr/>
+        <p:txBody>
+          <a:bodyPr/>
+          <a:lstStyle/>
+          <a:p>
+            <a:r>
+              <a:rPr lang="pl-PL" dirty="0" smtClean="0"/>
+              <a:t>bardzo wygodna implementacja gramatyk bezkontekstowych</a:t>
+            </a:r>
+          </a:p>
+          <a:p>
+            <a:r>
+              <a:rPr lang="pl-PL" dirty="0" smtClean="0"/>
+              <a:t>kłopotliwa kontrola błędów w wyrażeniach regularnych zawierających „*” (listy)</a:t>
+            </a:r>
+          </a:p>
+          <a:p>
+            <a:r>
+              <a:rPr lang="pl-PL" dirty="0" smtClean="0"/>
+              <a:t>bardzo dobra opcja, gdy nie możemy zapewnić całego wejścia w jednej porcji</a:t>
+            </a:r>
+          </a:p>
+          <a:p>
+            <a:r>
+              <a:rPr lang="pl-PL" dirty="0" smtClean="0"/>
+              <a:t>do </a:t>
+            </a:r>
+            <a:r>
+              <a:rPr lang="pl-PL" dirty="0" err="1" smtClean="0"/>
+              <a:t>parsowania</a:t>
+            </a:r>
+            <a:r>
+              <a:rPr lang="pl-PL" dirty="0" smtClean="0"/>
+              <a:t> złożonych struktur lepszy jest jednak </a:t>
+            </a:r>
+            <a:r>
+              <a:rPr lang="pl-PL" dirty="0" err="1" smtClean="0"/>
+              <a:t>parsec</a:t>
+            </a:r>
+            <a:endParaRPr lang="pl-PL" dirty="0" smtClean="0"/>
+          </a:p>
+          <a:p>
+            <a:endParaRPr lang="pl-PL" dirty="0" smtClean="0"/>
+          </a:p>
+        </p:txBody>
+      </p:sp>
+    </p:spTree>
+    <p:extLst>
+      <p:ext uri="{BB962C8B-B14F-4D97-AF65-F5344CB8AC3E}">
+        <p14:creationId xmlns:p14="http://schemas.microsoft.com/office/powerpoint/2010/main" val="2933267234"/>
+      </p:ext>
+    </p:extLst>
+  </p:cSld>
+  <p:clrMapOvr>
+    <a:masterClrMapping/>
+  </p:clrMapOvr>
+  <mc:AlternateContent xmlns:mc="http://schemas.openxmlformats.org/markup-compatibility/2006" xmlns:p14="http://schemas.microsoft.com/office/powerpoint/2010/main">
+    <mc:Choice Requires="p14">
+      <p:transition spd="med" p14:dur="700">
+        <p:fade/>
+      </p:transition>
+    </mc:Choice>
+    <mc:Fallback xmlns="">
+      <p:transition spd="med">
+        <p:fade/>
+      </p:transition>
+    </mc:Fallback>
+  </mc:AlternateContent>
+  <p:timing>
+    <p:tnLst>
+      <p:par>
+        <p:cTn id="1" dur="indefinite" restart="never" nodeType="tmRoot">
+          <p:childTnLst>
+            <p:seq concurrent="1" nextAc="seek">
+              <p:cTn id="2" dur="indefinite" nodeType="mainSeq">
+                <p:childTnLst>
+                  <p:par>
+                    <p:cTn id="3" fill="hold">
+                      <p:stCondLst>
+                        <p:cond delay="indefinite"/>
+                      </p:stCondLst>
+                      <p:childTnLst>
+                        <p:par>
+                          <p:cTn id="4" fill="hold">
+                            <p:stCondLst>
+                              <p:cond delay="0"/>
+                            </p:stCondLst>
+                            <p:childTnLst>
+                              <p:par>
+                                <p:cTn id="5" presetID="1" presetClass="entr" presetSubtype="0" fill="hold" grpId="0" nodeType="clickEffect">
+                                  <p:stCondLst>
+                                    <p:cond delay="0"/>
+                                  </p:stCondLst>
+                                  <p:childTnLst>
+                                    <p:set>
+                                      <p:cBhvr>
+                                        <p:cTn id="6" dur="1" fill="hold">
+                                          <p:stCondLst>
+                                            <p:cond delay="0"/>
+                                          </p:stCondLst>
+                                        </p:cTn>
+                                        <p:tgtEl>
+                                          <p:spTgt spid="3">
+                                            <p:txEl>
+                                              <p:pRg st="0" end="0"/>
+                                            </p:txEl>
+                                          </p:spTgt>
+                                        </p:tgtEl>
+                                        <p:attrNameLst>
+                                          <p:attrName>style.visibility</p:attrName>
+                                        </p:attrNameLst>
+                                      </p:cBhvr>
+                                      <p:to>
+                                        <p:strVal val="visible"/>
+                                      </p:to>
+                                    </p:set>
+                                  </p:childTnLst>
+                                </p:cTn>
+                              </p:par>
+                            </p:childTnLst>
+                          </p:cTn>
+                        </p:par>
+                      </p:childTnLst>
+                    </p:cTn>
+                  </p:par>
+                  <p:par>
+                    <p:cTn id="7" fill="hold">
+                      <p:stCondLst>
+                        <p:cond delay="indefinite"/>
+                      </p:stCondLst>
+                      <p:childTnLst>
+                        <p:par>
+                          <p:cTn id="8" fill="hold">
+                            <p:stCondLst>
+                              <p:cond delay="0"/>
+                            </p:stCondLst>
+                            <p:childTnLst>
+                              <p:par>
+                                <p:cTn id="9" presetID="1" presetClass="entr" presetSubtype="0" fill="hold" grpId="0" nodeType="clickEffect">
+                                  <p:stCondLst>
+                                    <p:cond delay="0"/>
+                                  </p:stCondLst>
+                                  <p:childTnLst>
+                                    <p:set>
+                                      <p:cBhvr>
+                                        <p:cTn id="10" dur="1" fill="hold">
+                                          <p:stCondLst>
+                                            <p:cond delay="0"/>
+                                          </p:stCondLst>
+                                        </p:cTn>
+                                        <p:tgtEl>
+                                          <p:spTgt spid="3">
+                                            <p:txEl>
+                                              <p:pRg st="1" end="1"/>
+                                            </p:txEl>
+                                          </p:spTgt>
+                                        </p:tgtEl>
+                                        <p:attrNameLst>
+                                          <p:attrName>style.visibility</p:attrName>
+                                        </p:attrNameLst>
+                                      </p:cBhvr>
+                                      <p:to>
+                                        <p:strVal val="visible"/>
+                                      </p:to>
+                                    </p:set>
+                                  </p:childTnLst>
+                                </p:cTn>
+                              </p:par>
+                            </p:childTnLst>
+                          </p:cTn>
+                        </p:par>
+                      </p:childTnLst>
+                    </p:cTn>
+                  </p:par>
+                  <p:par>
+                    <p:cTn id="11" fill="hold">
+                      <p:stCondLst>
+                        <p:cond delay="indefinite"/>
+                      </p:stCondLst>
+                      <p:childTnLst>
+                        <p:par>
+                          <p:cTn id="12" fill="hold">
+                            <p:stCondLst>
+                              <p:cond delay="0"/>
+                            </p:stCondLst>
+                            <p:childTnLst>
+                              <p:par>
+                                <p:cTn id="13" presetID="1" presetClass="entr" presetSubtype="0" fill="hold" grpId="0" nodeType="clickEffect">
+                                  <p:stCondLst>
+                                    <p:cond delay="0"/>
+                                  </p:stCondLst>
+                                  <p:childTnLst>
+                                    <p:set>
+                                      <p:cBhvr>
+                                        <p:cTn id="14" dur="1" fill="hold">
+                                          <p:stCondLst>
+                                            <p:cond delay="0"/>
+                                          </p:stCondLst>
+                                        </p:cTn>
+                                        <p:tgtEl>
+                                          <p:spTgt spid="3">
+                                            <p:txEl>
+                                              <p:pRg st="2" end="2"/>
+                                            </p:txEl>
+                                          </p:spTgt>
+                                        </p:tgtEl>
+                                        <p:attrNameLst>
+                                          <p:attrName>style.visibility</p:attrName>
+                                        </p:attrNameLst>
+                                      </p:cBhvr>
+                                      <p:to>
+                                        <p:strVal val="visible"/>
+                                      </p:to>
+                                    </p:set>
+                                  </p:childTnLst>
+                                </p:cTn>
+                              </p:par>
+                            </p:childTnLst>
+                          </p:cTn>
+                        </p:par>
+                      </p:childTnLst>
+                    </p:cTn>
+                  </p:par>
+                  <p:par>
+                    <p:cTn id="15" fill="hold">
+                      <p:stCondLst>
+                        <p:cond delay="indefinite"/>
+                      </p:stCondLst>
+                      <p:childTnLst>
+                        <p:par>
+                          <p:cTn id="16" fill="hold">
+                            <p:stCondLst>
+                              <p:cond delay="0"/>
+                            </p:stCondLst>
+                            <p:childTnLst>
+                              <p:par>
+                                <p:cTn id="17" presetID="1" presetClass="entr" presetSubtype="0" fill="hold" grpId="0" nodeType="clickEffect">
+                                  <p:stCondLst>
+                                    <p:cond delay="0"/>
+                                  </p:stCondLst>
+                                  <p:childTnLst>
+                                    <p:set>
+                                      <p:cBhvr>
+                                        <p:cTn id="18" dur="1" fill="hold">
+                                          <p:stCondLst>
+                                            <p:cond delay="0"/>
+                                          </p:stCondLst>
+                                        </p:cTn>
+                                        <p:tgtEl>
+                                          <p:spTgt spid="3">
+                                            <p:txEl>
+                                              <p:pRg st="3" end="3"/>
+                                            </p:txEl>
+                                          </p:spTgt>
+                                        </p:tgtEl>
+                                        <p:attrNameLst>
+                                          <p:attrName>style.visibility</p:attrName>
+                                        </p:attrNameLst>
+                                      </p:cBhvr>
+                                      <p:to>
+                                        <p:strVal val="visible"/>
+                                      </p:to>
+                                    </p:set>
+                                  </p:childTnLst>
+                                </p:cTn>
+                              </p:par>
+                            </p:childTnLst>
+                          </p:cTn>
+                        </p:par>
+                      </p:childTnLst>
+                    </p:cTn>
+                  </p:par>
+                </p:childTnLst>
+              </p:cTn>
+              <p:prevCondLst>
+                <p:cond evt="onPrev" delay="0">
+                  <p:tgtEl>
+                    <p:sldTgt/>
+                  </p:tgtEl>
+                </p:cond>
+              </p:prevCondLst>
+              <p:nextCondLst>
+                <p:cond evt="onNext" delay="0">
+                  <p:tgtEl>
+                    <p:sldTgt/>
+                  </p:tgtEl>
+                </p:cond>
+              </p:nextCondLst>
+            </p:seq>
+          </p:childTnLst>
+        </p:cTn>
+      </p:par>
+    </p:tnLst>
+    <p:bldLst>
+      <p:bldP spid="3" grpId="0" build="p"/>
+    </p:bldLst>
+  </p:timing>
+</p:sld>
+</file>
+
+<file path=ppt/slides/slide12.xml><?xml version="1.0" encoding="utf-8"?>
+<p:sld xmlns:a="http://schemas.openxmlformats.org/drawingml/2006/main" xmlns:r="http://schemas.openxmlformats.org/officeDocument/2006/relationships" xmlns:p="http://schemas.openxmlformats.org/presentationml/2006/main">
+  <p:cSld>
+    <p:spTree>
+      <p:nvGrpSpPr>
+        <p:cNvPr id="1" name=""/>
+        <p:cNvGrpSpPr/>
+        <p:nvPr/>
+      </p:nvGrpSpPr>
+      <p:grpSpPr>
+        <a:xfrm>
+          <a:off x="0" y="0"/>
+          <a:ext cx="0" cy="0"/>
+          <a:chOff x="0" y="0"/>
+          <a:chExt cx="0" cy="0"/>
+        </a:xfrm>
+      </p:grpSpPr>
+      <p:sp>
+        <p:nvSpPr>
+          <p:cNvPr id="2" name="Tytuł 1"/>
+          <p:cNvSpPr>
+            <a:spLocks noGrp="1"/>
+          </p:cNvSpPr>
+          <p:nvPr>
+            <p:ph type="title"/>
+          </p:nvPr>
+        </p:nvSpPr>
+        <p:spPr/>
+        <p:txBody>
+          <a:bodyPr/>
+          <a:lstStyle/>
+          <a:p>
+            <a:r>
+              <a:rPr lang="pl-PL" dirty="0"/>
+              <a:t>d</a:t>
+            </a:r>
+            <a:r>
+              <a:rPr lang="pl-PL" dirty="0" smtClean="0"/>
+              <a:t>ziękuję!</a:t>
+            </a:r>
+            <a:endParaRPr lang="pl-PL" dirty="0"/>
+          </a:p>
+        </p:txBody>
+      </p:sp>
+      <p:sp>
+        <p:nvSpPr>
+          <p:cNvPr id="3" name="Symbol zastępczy tekstu 2"/>
+          <p:cNvSpPr>
+            <a:spLocks noGrp="1"/>
+          </p:cNvSpPr>
+          <p:nvPr>
+            <p:ph type="body" idx="1"/>
+          </p:nvPr>
+        </p:nvSpPr>
+        <p:spPr/>
+        <p:txBody>
+          <a:bodyPr/>
+          <a:lstStyle/>
+          <a:p>
+            <a:endParaRPr lang="pl-PL"/>
+          </a:p>
+        </p:txBody>
+      </p:sp>
+    </p:spTree>
+    <p:extLst>
+      <p:ext uri="{BB962C8B-B14F-4D97-AF65-F5344CB8AC3E}">
+        <p14:creationId xmlns:p14="http://schemas.microsoft.com/office/powerpoint/2010/main" val="2466930040"/>
+      </p:ext>
+    </p:extLst>
+  </p:cSld>
+  <p:clrMapOvr>
+    <a:masterClrMapping/>
+  </p:clrMapOvr>
+  <mc:AlternateContent xmlns:mc="http://schemas.openxmlformats.org/markup-compatibility/2006" xmlns:p14="http://schemas.microsoft.com/office/powerpoint/2010/main">
+    <mc:Choice Requires="p14">
+      <p:transition spd="med" p14:dur="700">
+        <p:fade/>
+      </p:transition>
+    </mc:Choice>
+    <mc:Fallback xmlns="">
+      <p:transition spd="med">
+        <p:fade/>
+      </p:transition>
+    </mc:Fallback>
+  </mc:AlternateContent>
+  <p:timing>
+    <p:tnLst>
+      <p:par>
+        <p:cTn id="1" dur="indefinite" restart="never" nodeType="tmRoot"/>
+      </p:par>
+    </p:tnLst>
+  </p:timing>
+</p:sld>
+</file>
+
 <file path=ppt/slides/slide2.xml><?xml version="1.0" encoding="utf-8"?>
 <p:sld xmlns:a="http://schemas.openxmlformats.org/drawingml/2006/main" xmlns:r="http://schemas.openxmlformats.org/officeDocument/2006/relationships" xmlns:p="http://schemas.openxmlformats.org/presentationml/2006/main">
   <p:cSld>
@@ -6707,6 +7282,679 @@
           <a:p>
             <a:r>
               <a:rPr lang="pl-PL" dirty="0" smtClean="0"/>
+              <a:t>uruchamianie</a:t>
+            </a:r>
+            <a:endParaRPr lang="pl-PL" dirty="0"/>
+          </a:p>
+        </p:txBody>
+      </p:sp>
+      <p:sp>
+        <p:nvSpPr>
+          <p:cNvPr id="3" name="Symbol zastępczy zawartości 2"/>
+          <p:cNvSpPr>
+            <a:spLocks noGrp="1"/>
+          </p:cNvSpPr>
+          <p:nvPr>
+            <p:ph idx="1"/>
+          </p:nvPr>
+        </p:nvSpPr>
+        <p:spPr/>
+        <p:txBody>
+          <a:bodyPr>
+            <a:normAutofit/>
+          </a:bodyPr>
+          <a:lstStyle/>
+          <a:p>
+            <a:r>
+              <a:rPr lang="pl-PL" dirty="0" err="1" smtClean="0">
+                <a:latin typeface="Consolas" panose="020B0609020204030204" pitchFamily="49" charset="0"/>
+              </a:rPr>
+              <a:t>parse</a:t>
+            </a:r>
+            <a:r>
+              <a:rPr lang="pl-PL" dirty="0" smtClean="0">
+                <a:latin typeface="Consolas" panose="020B0609020204030204" pitchFamily="49" charset="0"/>
+              </a:rPr>
+              <a:t> </a:t>
+            </a:r>
+            <a:r>
+              <a:rPr lang="pl-PL" dirty="0" smtClean="0">
+                <a:solidFill>
+                  <a:schemeClr val="bg1">
+                    <a:lumMod val="50000"/>
+                  </a:schemeClr>
+                </a:solidFill>
+                <a:latin typeface="Consolas" panose="020B0609020204030204" pitchFamily="49" charset="0"/>
+              </a:rPr>
+              <a:t>:: </a:t>
+            </a:r>
+            <a:r>
+              <a:rPr lang="pl-PL" dirty="0" err="1" smtClean="0">
+                <a:solidFill>
+                  <a:schemeClr val="bg1">
+                    <a:lumMod val="50000"/>
+                  </a:schemeClr>
+                </a:solidFill>
+                <a:latin typeface="Consolas" panose="020B0609020204030204" pitchFamily="49" charset="0"/>
+              </a:rPr>
+              <a:t>Parser</a:t>
+            </a:r>
+            <a:r>
+              <a:rPr lang="pl-PL" dirty="0" smtClean="0">
+                <a:solidFill>
+                  <a:schemeClr val="bg1">
+                    <a:lumMod val="50000"/>
+                  </a:schemeClr>
+                </a:solidFill>
+                <a:latin typeface="Consolas" panose="020B0609020204030204" pitchFamily="49" charset="0"/>
+              </a:rPr>
+              <a:t> a -&gt; </a:t>
+            </a:r>
+            <a:r>
+              <a:rPr lang="pl-PL" dirty="0" err="1" smtClean="0">
+                <a:solidFill>
+                  <a:schemeClr val="bg1">
+                    <a:lumMod val="50000"/>
+                  </a:schemeClr>
+                </a:solidFill>
+                <a:latin typeface="Consolas" panose="020B0609020204030204" pitchFamily="49" charset="0"/>
+              </a:rPr>
+              <a:t>Text</a:t>
+            </a:r>
+            <a:r>
+              <a:rPr lang="pl-PL" dirty="0" smtClean="0">
+                <a:solidFill>
+                  <a:schemeClr val="bg1">
+                    <a:lumMod val="50000"/>
+                  </a:schemeClr>
+                </a:solidFill>
+                <a:latin typeface="Consolas" panose="020B0609020204030204" pitchFamily="49" charset="0"/>
+              </a:rPr>
+              <a:t> -&gt; </a:t>
+            </a:r>
+            <a:r>
+              <a:rPr lang="pl-PL" dirty="0" err="1" smtClean="0">
+                <a:solidFill>
+                  <a:schemeClr val="bg1">
+                    <a:lumMod val="50000"/>
+                  </a:schemeClr>
+                </a:solidFill>
+                <a:latin typeface="Consolas" panose="020B0609020204030204" pitchFamily="49" charset="0"/>
+              </a:rPr>
+              <a:t>Result</a:t>
+            </a:r>
+            <a:r>
+              <a:rPr lang="pl-PL" dirty="0" smtClean="0">
+                <a:solidFill>
+                  <a:schemeClr val="bg1">
+                    <a:lumMod val="50000"/>
+                  </a:schemeClr>
+                </a:solidFill>
+                <a:latin typeface="Consolas" panose="020B0609020204030204" pitchFamily="49" charset="0"/>
+              </a:rPr>
+              <a:t> a</a:t>
+            </a:r>
+          </a:p>
+          <a:p>
+            <a:r>
+              <a:rPr lang="pl-PL" dirty="0" err="1"/>
+              <a:t>Result</a:t>
+            </a:r>
+            <a:r>
+              <a:rPr lang="pl-PL" dirty="0"/>
+              <a:t>:</a:t>
+            </a:r>
+          </a:p>
+          <a:p>
+            <a:pPr lvl="1"/>
+            <a:r>
+              <a:rPr lang="pl-PL" dirty="0" err="1"/>
+              <a:t>Fail</a:t>
+            </a:r>
+            <a:endParaRPr lang="pl-PL" dirty="0"/>
+          </a:p>
+          <a:p>
+            <a:pPr lvl="1"/>
+            <a:r>
+              <a:rPr lang="pl-PL" dirty="0" err="1"/>
+              <a:t>Partial</a:t>
+            </a:r>
+            <a:endParaRPr lang="pl-PL" dirty="0"/>
+          </a:p>
+          <a:p>
+            <a:pPr lvl="1"/>
+            <a:r>
+              <a:rPr lang="pl-PL" dirty="0" err="1" smtClean="0"/>
+              <a:t>Done</a:t>
+            </a:r>
+            <a:endParaRPr lang="pl-PL" dirty="0" smtClean="0">
+              <a:latin typeface="Consolas" panose="020B0609020204030204" pitchFamily="49" charset="0"/>
+            </a:endParaRPr>
+          </a:p>
+          <a:p>
+            <a:r>
+              <a:rPr lang="pl-PL" dirty="0" err="1" smtClean="0">
+                <a:latin typeface="Consolas" panose="020B0609020204030204" pitchFamily="49" charset="0"/>
+              </a:rPr>
+              <a:t>feed</a:t>
+            </a:r>
+            <a:r>
+              <a:rPr lang="pl-PL" dirty="0" smtClean="0">
+                <a:latin typeface="Consolas" panose="020B0609020204030204" pitchFamily="49" charset="0"/>
+              </a:rPr>
+              <a:t> </a:t>
+            </a:r>
+            <a:r>
+              <a:rPr lang="pl-PL" dirty="0">
+                <a:solidFill>
+                  <a:schemeClr val="bg1">
+                    <a:lumMod val="50000"/>
+                  </a:schemeClr>
+                </a:solidFill>
+                <a:latin typeface="Consolas" panose="020B0609020204030204" pitchFamily="49" charset="0"/>
+              </a:rPr>
+              <a:t>:: </a:t>
+            </a:r>
+            <a:r>
+              <a:rPr lang="pl-PL" dirty="0" err="1" smtClean="0">
+                <a:solidFill>
+                  <a:schemeClr val="bg1">
+                    <a:lumMod val="50000"/>
+                  </a:schemeClr>
+                </a:solidFill>
+                <a:latin typeface="Consolas" panose="020B0609020204030204" pitchFamily="49" charset="0"/>
+              </a:rPr>
+              <a:t>Monoid</a:t>
+            </a:r>
+            <a:r>
+              <a:rPr lang="pl-PL" dirty="0" smtClean="0">
+                <a:solidFill>
+                  <a:schemeClr val="bg1">
+                    <a:lumMod val="50000"/>
+                  </a:schemeClr>
+                </a:solidFill>
+                <a:latin typeface="Consolas" panose="020B0609020204030204" pitchFamily="49" charset="0"/>
+              </a:rPr>
+              <a:t> </a:t>
+            </a:r>
+            <a:r>
+              <a:rPr lang="pl-PL" dirty="0">
+                <a:solidFill>
+                  <a:schemeClr val="bg1">
+                    <a:lumMod val="50000"/>
+                  </a:schemeClr>
+                </a:solidFill>
+                <a:latin typeface="Consolas" panose="020B0609020204030204" pitchFamily="49" charset="0"/>
+              </a:rPr>
+              <a:t>i =&gt; </a:t>
+            </a:r>
+            <a:r>
+              <a:rPr lang="pl-PL" dirty="0" err="1">
+                <a:solidFill>
+                  <a:schemeClr val="bg1">
+                    <a:lumMod val="50000"/>
+                  </a:schemeClr>
+                </a:solidFill>
+                <a:latin typeface="Consolas" panose="020B0609020204030204" pitchFamily="49" charset="0"/>
+              </a:rPr>
+              <a:t>IResult</a:t>
+            </a:r>
+            <a:r>
+              <a:rPr lang="pl-PL" dirty="0">
+                <a:solidFill>
+                  <a:schemeClr val="bg1">
+                    <a:lumMod val="50000"/>
+                  </a:schemeClr>
+                </a:solidFill>
+                <a:latin typeface="Consolas" panose="020B0609020204030204" pitchFamily="49" charset="0"/>
+              </a:rPr>
+              <a:t> i r -&gt; i -&gt; </a:t>
+            </a:r>
+            <a:r>
+              <a:rPr lang="pl-PL" dirty="0" err="1">
+                <a:solidFill>
+                  <a:schemeClr val="bg1">
+                    <a:lumMod val="50000"/>
+                  </a:schemeClr>
+                </a:solidFill>
+                <a:latin typeface="Consolas" panose="020B0609020204030204" pitchFamily="49" charset="0"/>
+              </a:rPr>
+              <a:t>IResult</a:t>
+            </a:r>
+            <a:r>
+              <a:rPr lang="pl-PL" dirty="0">
+                <a:solidFill>
+                  <a:schemeClr val="bg1">
+                    <a:lumMod val="50000"/>
+                  </a:schemeClr>
+                </a:solidFill>
+                <a:latin typeface="Consolas" panose="020B0609020204030204" pitchFamily="49" charset="0"/>
+              </a:rPr>
+              <a:t> i </a:t>
+            </a:r>
+            <a:r>
+              <a:rPr lang="pl-PL" dirty="0" smtClean="0">
+                <a:solidFill>
+                  <a:schemeClr val="bg1">
+                    <a:lumMod val="50000"/>
+                  </a:schemeClr>
+                </a:solidFill>
+                <a:latin typeface="Consolas" panose="020B0609020204030204" pitchFamily="49" charset="0"/>
+              </a:rPr>
+              <a:t>r</a:t>
+            </a:r>
+          </a:p>
+          <a:p>
+            <a:endParaRPr lang="pl-PL" dirty="0">
+              <a:latin typeface="+mj-lt"/>
+            </a:endParaRPr>
+          </a:p>
+          <a:p>
+            <a:r>
+              <a:rPr lang="pl-PL" dirty="0" err="1" smtClean="0">
+                <a:latin typeface="Consolas" panose="020B0609020204030204" pitchFamily="49" charset="0"/>
+              </a:rPr>
+              <a:t>maybeResult</a:t>
+            </a:r>
+            <a:r>
+              <a:rPr lang="pl-PL" dirty="0" smtClean="0">
+                <a:latin typeface="Consolas" panose="020B0609020204030204" pitchFamily="49" charset="0"/>
+              </a:rPr>
+              <a:t> / </a:t>
+            </a:r>
+            <a:r>
+              <a:rPr lang="pl-PL" dirty="0" err="1" smtClean="0">
+                <a:latin typeface="Consolas" panose="020B0609020204030204" pitchFamily="49" charset="0"/>
+              </a:rPr>
+              <a:t>eitherResult</a:t>
+            </a:r>
+            <a:endParaRPr lang="pl-PL" dirty="0">
+              <a:latin typeface="Consolas" panose="020B0609020204030204" pitchFamily="49" charset="0"/>
+            </a:endParaRPr>
+          </a:p>
+        </p:txBody>
+      </p:sp>
+    </p:spTree>
+    <p:extLst>
+      <p:ext uri="{BB962C8B-B14F-4D97-AF65-F5344CB8AC3E}">
+        <p14:creationId xmlns:p14="http://schemas.microsoft.com/office/powerpoint/2010/main" val="621402847"/>
+      </p:ext>
+    </p:extLst>
+  </p:cSld>
+  <p:clrMapOvr>
+    <a:masterClrMapping/>
+  </p:clrMapOvr>
+  <mc:AlternateContent xmlns:mc="http://schemas.openxmlformats.org/markup-compatibility/2006" xmlns:p14="http://schemas.microsoft.com/office/powerpoint/2010/main">
+    <mc:Choice Requires="p14">
+      <p:transition spd="med" p14:dur="700">
+        <p:fade/>
+      </p:transition>
+    </mc:Choice>
+    <mc:Fallback xmlns="">
+      <p:transition spd="med">
+        <p:fade/>
+      </p:transition>
+    </mc:Fallback>
+  </mc:AlternateContent>
+  <p:timing>
+    <p:tnLst>
+      <p:par>
+        <p:cTn id="1" dur="indefinite" restart="never" nodeType="tmRoot">
+          <p:childTnLst>
+            <p:seq concurrent="1" nextAc="seek">
+              <p:cTn id="2" dur="indefinite" nodeType="mainSeq">
+                <p:childTnLst>
+                  <p:par>
+                    <p:cTn id="3" fill="hold">
+                      <p:stCondLst>
+                        <p:cond delay="indefinite"/>
+                      </p:stCondLst>
+                      <p:childTnLst>
+                        <p:par>
+                          <p:cTn id="4" fill="hold">
+                            <p:stCondLst>
+                              <p:cond delay="0"/>
+                            </p:stCondLst>
+                            <p:childTnLst>
+                              <p:par>
+                                <p:cTn id="5" presetID="1" presetClass="entr" presetSubtype="0" fill="hold" grpId="0" nodeType="clickEffect">
+                                  <p:stCondLst>
+                                    <p:cond delay="0"/>
+                                  </p:stCondLst>
+                                  <p:childTnLst>
+                                    <p:set>
+                                      <p:cBhvr>
+                                        <p:cTn id="6" dur="1" fill="hold">
+                                          <p:stCondLst>
+                                            <p:cond delay="0"/>
+                                          </p:stCondLst>
+                                        </p:cTn>
+                                        <p:tgtEl>
+                                          <p:spTgt spid="3">
+                                            <p:txEl>
+                                              <p:pRg st="0" end="0"/>
+                                            </p:txEl>
+                                          </p:spTgt>
+                                        </p:tgtEl>
+                                        <p:attrNameLst>
+                                          <p:attrName>style.visibility</p:attrName>
+                                        </p:attrNameLst>
+                                      </p:cBhvr>
+                                      <p:to>
+                                        <p:strVal val="visible"/>
+                                      </p:to>
+                                    </p:set>
+                                  </p:childTnLst>
+                                </p:cTn>
+                              </p:par>
+                            </p:childTnLst>
+                          </p:cTn>
+                        </p:par>
+                      </p:childTnLst>
+                    </p:cTn>
+                  </p:par>
+                  <p:par>
+                    <p:cTn id="7" fill="hold">
+                      <p:stCondLst>
+                        <p:cond delay="indefinite"/>
+                      </p:stCondLst>
+                      <p:childTnLst>
+                        <p:par>
+                          <p:cTn id="8" fill="hold">
+                            <p:stCondLst>
+                              <p:cond delay="0"/>
+                            </p:stCondLst>
+                            <p:childTnLst>
+                              <p:par>
+                                <p:cTn id="9" presetID="1" presetClass="entr" presetSubtype="0" fill="hold" grpId="0" nodeType="clickEffect">
+                                  <p:stCondLst>
+                                    <p:cond delay="0"/>
+                                  </p:stCondLst>
+                                  <p:childTnLst>
+                                    <p:set>
+                                      <p:cBhvr>
+                                        <p:cTn id="10" dur="1" fill="hold">
+                                          <p:stCondLst>
+                                            <p:cond delay="0"/>
+                                          </p:stCondLst>
+                                        </p:cTn>
+                                        <p:tgtEl>
+                                          <p:spTgt spid="3">
+                                            <p:txEl>
+                                              <p:pRg st="1" end="1"/>
+                                            </p:txEl>
+                                          </p:spTgt>
+                                        </p:tgtEl>
+                                        <p:attrNameLst>
+                                          <p:attrName>style.visibility</p:attrName>
+                                        </p:attrNameLst>
+                                      </p:cBhvr>
+                                      <p:to>
+                                        <p:strVal val="visible"/>
+                                      </p:to>
+                                    </p:set>
+                                  </p:childTnLst>
+                                </p:cTn>
+                              </p:par>
+                              <p:par>
+                                <p:cTn id="11" presetID="1" presetClass="entr" presetSubtype="0" fill="hold" grpId="0" nodeType="withEffect">
+                                  <p:stCondLst>
+                                    <p:cond delay="0"/>
+                                  </p:stCondLst>
+                                  <p:childTnLst>
+                                    <p:set>
+                                      <p:cBhvr>
+                                        <p:cTn id="12" dur="1" fill="hold">
+                                          <p:stCondLst>
+                                            <p:cond delay="0"/>
+                                          </p:stCondLst>
+                                        </p:cTn>
+                                        <p:tgtEl>
+                                          <p:spTgt spid="3">
+                                            <p:txEl>
+                                              <p:pRg st="2" end="2"/>
+                                            </p:txEl>
+                                          </p:spTgt>
+                                        </p:tgtEl>
+                                        <p:attrNameLst>
+                                          <p:attrName>style.visibility</p:attrName>
+                                        </p:attrNameLst>
+                                      </p:cBhvr>
+                                      <p:to>
+                                        <p:strVal val="visible"/>
+                                      </p:to>
+                                    </p:set>
+                                  </p:childTnLst>
+                                </p:cTn>
+                              </p:par>
+                              <p:par>
+                                <p:cTn id="13" presetID="1" presetClass="entr" presetSubtype="0" fill="hold" grpId="0" nodeType="withEffect">
+                                  <p:stCondLst>
+                                    <p:cond delay="0"/>
+                                  </p:stCondLst>
+                                  <p:childTnLst>
+                                    <p:set>
+                                      <p:cBhvr>
+                                        <p:cTn id="14" dur="1" fill="hold">
+                                          <p:stCondLst>
+                                            <p:cond delay="0"/>
+                                          </p:stCondLst>
+                                        </p:cTn>
+                                        <p:tgtEl>
+                                          <p:spTgt spid="3">
+                                            <p:txEl>
+                                              <p:pRg st="3" end="3"/>
+                                            </p:txEl>
+                                          </p:spTgt>
+                                        </p:tgtEl>
+                                        <p:attrNameLst>
+                                          <p:attrName>style.visibility</p:attrName>
+                                        </p:attrNameLst>
+                                      </p:cBhvr>
+                                      <p:to>
+                                        <p:strVal val="visible"/>
+                                      </p:to>
+                                    </p:set>
+                                  </p:childTnLst>
+                                </p:cTn>
+                              </p:par>
+                              <p:par>
+                                <p:cTn id="15" presetID="1" presetClass="entr" presetSubtype="0" fill="hold" grpId="0" nodeType="withEffect">
+                                  <p:stCondLst>
+                                    <p:cond delay="0"/>
+                                  </p:stCondLst>
+                                  <p:childTnLst>
+                                    <p:set>
+                                      <p:cBhvr>
+                                        <p:cTn id="16" dur="1" fill="hold">
+                                          <p:stCondLst>
+                                            <p:cond delay="0"/>
+                                          </p:stCondLst>
+                                        </p:cTn>
+                                        <p:tgtEl>
+                                          <p:spTgt spid="3">
+                                            <p:txEl>
+                                              <p:pRg st="4" end="4"/>
+                                            </p:txEl>
+                                          </p:spTgt>
+                                        </p:tgtEl>
+                                        <p:attrNameLst>
+                                          <p:attrName>style.visibility</p:attrName>
+                                        </p:attrNameLst>
+                                      </p:cBhvr>
+                                      <p:to>
+                                        <p:strVal val="visible"/>
+                                      </p:to>
+                                    </p:set>
+                                  </p:childTnLst>
+                                </p:cTn>
+                              </p:par>
+                            </p:childTnLst>
+                          </p:cTn>
+                        </p:par>
+                      </p:childTnLst>
+                    </p:cTn>
+                  </p:par>
+                  <p:par>
+                    <p:cTn id="17" fill="hold">
+                      <p:stCondLst>
+                        <p:cond delay="indefinite"/>
+                      </p:stCondLst>
+                      <p:childTnLst>
+                        <p:par>
+                          <p:cTn id="18" fill="hold">
+                            <p:stCondLst>
+                              <p:cond delay="0"/>
+                            </p:stCondLst>
+                            <p:childTnLst>
+                              <p:par>
+                                <p:cTn id="19" presetID="1" presetClass="entr" presetSubtype="0" fill="hold" grpId="0" nodeType="clickEffect">
+                                  <p:stCondLst>
+                                    <p:cond delay="0"/>
+                                  </p:stCondLst>
+                                  <p:childTnLst>
+                                    <p:set>
+                                      <p:cBhvr>
+                                        <p:cTn id="20" dur="1" fill="hold">
+                                          <p:stCondLst>
+                                            <p:cond delay="0"/>
+                                          </p:stCondLst>
+                                        </p:cTn>
+                                        <p:tgtEl>
+                                          <p:spTgt spid="3">
+                                            <p:txEl>
+                                              <p:pRg st="5" end="5"/>
+                                            </p:txEl>
+                                          </p:spTgt>
+                                        </p:tgtEl>
+                                        <p:attrNameLst>
+                                          <p:attrName>style.visibility</p:attrName>
+                                        </p:attrNameLst>
+                                      </p:cBhvr>
+                                      <p:to>
+                                        <p:strVal val="visible"/>
+                                      </p:to>
+                                    </p:set>
+                                  </p:childTnLst>
+                                </p:cTn>
+                              </p:par>
+                            </p:childTnLst>
+                          </p:cTn>
+                        </p:par>
+                      </p:childTnLst>
+                    </p:cTn>
+                  </p:par>
+                  <p:par>
+                    <p:cTn id="21" fill="hold">
+                      <p:stCondLst>
+                        <p:cond delay="indefinite"/>
+                      </p:stCondLst>
+                      <p:childTnLst>
+                        <p:par>
+                          <p:cTn id="22" fill="hold">
+                            <p:stCondLst>
+                              <p:cond delay="0"/>
+                            </p:stCondLst>
+                            <p:childTnLst>
+                              <p:par>
+                                <p:cTn id="23" presetID="1" presetClass="entr" presetSubtype="0" fill="hold" grpId="0" nodeType="clickEffect">
+                                  <p:stCondLst>
+                                    <p:cond delay="0"/>
+                                  </p:stCondLst>
+                                  <p:childTnLst>
+                                    <p:set>
+                                      <p:cBhvr>
+                                        <p:cTn id="24" dur="1" fill="hold">
+                                          <p:stCondLst>
+                                            <p:cond delay="0"/>
+                                          </p:stCondLst>
+                                        </p:cTn>
+                                        <p:tgtEl>
+                                          <p:spTgt spid="3">
+                                            <p:txEl>
+                                              <p:pRg st="7" end="7"/>
+                                            </p:txEl>
+                                          </p:spTgt>
+                                        </p:tgtEl>
+                                        <p:attrNameLst>
+                                          <p:attrName>style.visibility</p:attrName>
+                                        </p:attrNameLst>
+                                      </p:cBhvr>
+                                      <p:to>
+                                        <p:strVal val="visible"/>
+                                      </p:to>
+                                    </p:set>
+                                  </p:childTnLst>
+                                </p:cTn>
+                              </p:par>
+                            </p:childTnLst>
+                          </p:cTn>
+                        </p:par>
+                      </p:childTnLst>
+                    </p:cTn>
+                  </p:par>
+                </p:childTnLst>
+              </p:cTn>
+              <p:prevCondLst>
+                <p:cond evt="onPrev" delay="0">
+                  <p:tgtEl>
+                    <p:sldTgt/>
+                  </p:tgtEl>
+                </p:cond>
+              </p:prevCondLst>
+              <p:nextCondLst>
+                <p:cond evt="onNext" delay="0">
+                  <p:tgtEl>
+                    <p:sldTgt/>
+                  </p:tgtEl>
+                </p:cond>
+              </p:nextCondLst>
+            </p:seq>
+          </p:childTnLst>
+        </p:cTn>
+      </p:par>
+    </p:tnLst>
+    <p:bldLst>
+      <p:bldP spid="3" grpId="0" build="p"/>
+    </p:bldLst>
+  </p:timing>
+</p:sld>
+</file>
+
+<file path=ppt/slides/slide6.xml><?xml version="1.0" encoding="utf-8"?>
+<p:sld xmlns:a="http://schemas.openxmlformats.org/drawingml/2006/main" xmlns:r="http://schemas.openxmlformats.org/officeDocument/2006/relationships" xmlns:p="http://schemas.openxmlformats.org/presentationml/2006/main">
+  <p:cSld>
+    <p:spTree>
+      <p:nvGrpSpPr>
+        <p:cNvPr id="1" name=""/>
+        <p:cNvGrpSpPr/>
+        <p:nvPr/>
+      </p:nvGrpSpPr>
+      <p:grpSpPr>
+        <a:xfrm>
+          <a:off x="0" y="0"/>
+          <a:ext cx="0" cy="0"/>
+          <a:chOff x="0" y="0"/>
+          <a:chExt cx="0" cy="0"/>
+        </a:xfrm>
+      </p:grpSpPr>
+      <p:sp>
+        <p:nvSpPr>
+          <p:cNvPr id="2" name="Tytuł 1"/>
+          <p:cNvSpPr>
+            <a:spLocks noGrp="1"/>
+          </p:cNvSpPr>
+          <p:nvPr>
+            <p:ph type="title"/>
+          </p:nvPr>
+        </p:nvSpPr>
+        <p:spPr/>
+        <p:txBody>
+          <a:bodyPr/>
+          <a:lstStyle/>
+          <a:p>
+            <a:r>
+              <a:rPr lang="pl-PL" dirty="0" smtClean="0"/>
               <a:t>podstawowe </a:t>
             </a:r>
             <a:r>
@@ -7389,7 +8637,7 @@
 </p:sld>
 </file>
 
-<file path=ppt/slides/slide6.xml><?xml version="1.0" encoding="utf-8"?>
+<file path=ppt/slides/slide7.xml><?xml version="1.0" encoding="utf-8"?>
 <p:sld xmlns:a="http://schemas.openxmlformats.org/drawingml/2006/main" xmlns:r="http://schemas.openxmlformats.org/officeDocument/2006/relationships" xmlns:p="http://schemas.openxmlformats.org/presentationml/2006/main">
   <p:cSld>
     <p:spTree>
@@ -7799,7 +9047,7 @@
 </p:sld>
 </file>
 
-<file path=ppt/slides/slide7.xml><?xml version="1.0" encoding="utf-8"?>
+<file path=ppt/slides/slide8.xml><?xml version="1.0" encoding="utf-8"?>
 <p:sld xmlns:a="http://schemas.openxmlformats.org/drawingml/2006/main" xmlns:r="http://schemas.openxmlformats.org/officeDocument/2006/relationships" xmlns:p="http://schemas.openxmlformats.org/presentationml/2006/main">
   <p:cSld>
     <p:spTree>
@@ -8425,7 +9673,7 @@
 </p:sld>
 </file>
 
-<file path=ppt/slides/slide8.xml><?xml version="1.0" encoding="utf-8"?>
+<file path=ppt/slides/slide9.xml><?xml version="1.0" encoding="utf-8"?>
 <p:sld xmlns:a="http://schemas.openxmlformats.org/drawingml/2006/main" xmlns:r="http://schemas.openxmlformats.org/officeDocument/2006/relationships" xmlns:p="http://schemas.openxmlformats.org/presentationml/2006/main">
   <p:cSld>
     <p:spTree>
@@ -9090,133 +10338,6 @@
       <p:bldP spid="4" grpId="0"/>
       <p:bldP spid="5" grpId="0"/>
     </p:bldLst>
-  </p:timing>
-</p:sld>
-</file>
-
-<file path=ppt/slides/slide9.xml><?xml version="1.0" encoding="utf-8"?>
-<p:sld xmlns:a="http://schemas.openxmlformats.org/drawingml/2006/main" xmlns:r="http://schemas.openxmlformats.org/officeDocument/2006/relationships" xmlns:p="http://schemas.openxmlformats.org/presentationml/2006/main">
-  <p:cSld>
-    <p:spTree>
-      <p:nvGrpSpPr>
-        <p:cNvPr id="1" name=""/>
-        <p:cNvGrpSpPr/>
-        <p:nvPr/>
-      </p:nvGrpSpPr>
-      <p:grpSpPr>
-        <a:xfrm>
-          <a:off x="0" y="0"/>
-          <a:ext cx="0" cy="0"/>
-          <a:chOff x="0" y="0"/>
-          <a:chExt cx="0" cy="0"/>
-        </a:xfrm>
-      </p:grpSpPr>
-      <p:sp>
-        <p:nvSpPr>
-          <p:cNvPr id="2" name="Tytuł 1"/>
-          <p:cNvSpPr>
-            <a:spLocks noGrp="1"/>
-          </p:cNvSpPr>
-          <p:nvPr>
-            <p:ph type="title"/>
-          </p:nvPr>
-        </p:nvSpPr>
-        <p:spPr/>
-        <p:txBody>
-          <a:bodyPr/>
-          <a:lstStyle/>
-          <a:p>
-            <a:r>
-              <a:rPr lang="pl-PL" dirty="0" smtClean="0"/>
-              <a:t>wady</a:t>
-            </a:r>
-            <a:endParaRPr lang="pl-PL" dirty="0"/>
-          </a:p>
-        </p:txBody>
-      </p:sp>
-      <p:sp>
-        <p:nvSpPr>
-          <p:cNvPr id="3" name="Symbol zastępczy zawartości 2"/>
-          <p:cNvSpPr>
-            <a:spLocks noGrp="1"/>
-          </p:cNvSpPr>
-          <p:nvPr>
-            <p:ph idx="1"/>
-          </p:nvPr>
-        </p:nvSpPr>
-        <p:spPr/>
-        <p:txBody>
-          <a:bodyPr/>
-          <a:lstStyle/>
-          <a:p>
-            <a:r>
-              <a:rPr lang="pl-PL" dirty="0" err="1" smtClean="0"/>
-              <a:t>Backtracking</a:t>
-            </a:r>
-            <a:r>
-              <a:rPr lang="pl-PL" dirty="0" smtClean="0"/>
-              <a:t> (</a:t>
-            </a:r>
-            <a:r>
-              <a:rPr lang="pl-PL" dirty="0" smtClean="0">
-                <a:sym typeface="Wingdings" panose="05000000000000000000" pitchFamily="2" charset="2"/>
-              </a:rPr>
-              <a:t>)</a:t>
-            </a:r>
-            <a:endParaRPr lang="pl-PL" dirty="0" smtClean="0"/>
-          </a:p>
-          <a:p>
-            <a:pPr lvl="1"/>
-            <a:r>
-              <a:rPr lang="pl-PL" dirty="0" smtClean="0"/>
-              <a:t>konkretniej: brak możliwości kontroli</a:t>
-            </a:r>
-          </a:p>
-          <a:p>
-            <a:pPr lvl="1"/>
-            <a:r>
-              <a:rPr lang="pl-PL" dirty="0" smtClean="0"/>
-              <a:t>niejasne komunikaty o błędach</a:t>
-            </a:r>
-          </a:p>
-          <a:p>
-            <a:pPr lvl="1"/>
-            <a:r>
-              <a:rPr lang="pl-PL" dirty="0" smtClean="0"/>
-              <a:t>można ominąć, tracąc modularność (brzydki kod)</a:t>
-            </a:r>
-            <a:endParaRPr lang="pl-PL" dirty="0"/>
-          </a:p>
-        </p:txBody>
-      </p:sp>
-    </p:spTree>
-    <p:extLst>
-      <p:ext uri="{BB962C8B-B14F-4D97-AF65-F5344CB8AC3E}">
-        <p14:creationId xmlns:p14="http://schemas.microsoft.com/office/powerpoint/2010/main" val="1592769020"/>
-      </p:ext>
-    </p:extLst>
-  </p:cSld>
-  <p:clrMapOvr>
-    <a:masterClrMapping/>
-  </p:clrMapOvr>
-  <mc:AlternateContent xmlns:mc="http://schemas.openxmlformats.org/markup-compatibility/2006" xmlns:p14="http://schemas.microsoft.com/office/powerpoint/2010/main">
-    <mc:Choice Requires="p14">
-      <p:transition spd="med" p14:dur="700">
-        <p:fade/>
-      </p:transition>
-    </mc:Choice>
-    <mc:Fallback xmlns="">
-      <p:transition spd="med">
-        <p:fade/>
-      </p:transition>
-    </mc:Fallback>
-  </mc:AlternateContent>
-  <p:timing>
-    <p:tnLst>
-      <p:par>
-        <p:cTn id="1" dur="indefinite" restart="never" nodeType="tmRoot"/>
-      </p:par>
-    </p:tnLst>
   </p:timing>
 </p:sld>
 </file>
